--- a/talk/talk.pptx
+++ b/talk/talk.pptx
@@ -320,6 +320,11 @@
       </a:defRPr>
     </a:lvl9pPr>
   </p:defaultTextStyle>
+  <p:extLst>
+    <p:ext uri="{EFAFB233-063F-42B5-8137-9DF3F51BA10A}">
+      <p15:sldGuideLst xmlns:p15="http://schemas.microsoft.com/office/powerpoint/2012/main"/>
+    </p:ext>
+  </p:extLst>
 </p:presentation>
 </file>
 
@@ -997,7 +1002,7 @@
           </a:ln>
           <a:extLst>
             <a:ext uri="{C572A759-6A51-4108-AA02-DFA0A04FC94B}">
-              <ma14:wrappingTextBoxFlag xmlns:ma14="http://schemas.microsoft.com/office/mac/drawingml/2011/main" xmlns="" val="1"/>
+              <ma14:wrappingTextBoxFlag xmlns="" xmlns:ma14="http://schemas.microsoft.com/office/mac/drawingml/2011/main" val="1"/>
             </a:ext>
           </a:extLst>
         </p:spPr>
@@ -1034,7 +1039,7 @@
           </a:ln>
           <a:extLst>
             <a:ext uri="{C572A759-6A51-4108-AA02-DFA0A04FC94B}">
-              <ma14:wrappingTextBoxFlag xmlns:ma14="http://schemas.microsoft.com/office/mac/drawingml/2011/main" xmlns="" val="1"/>
+              <ma14:wrappingTextBoxFlag xmlns="" xmlns:ma14="http://schemas.microsoft.com/office/mac/drawingml/2011/main" val="1"/>
             </a:ext>
           </a:extLst>
         </p:spPr>
@@ -1949,7 +1954,7 @@
         </p:nvSpPr>
         <p:spPr>
           <a:xfrm>
-            <a:off x="1270000" y="685800"/>
+            <a:off x="1270000" y="1574800"/>
             <a:ext cx="10464800" cy="3302000"/>
           </a:xfrm>
           <a:prstGeom prst="rect">
@@ -1965,8 +1970,10 @@
           </a:lstStyle>
           <a:p>
             <a:r>
-              <a:t>TITLE</a:t>
+              <a:rPr lang="en-US" sz="4400" dirty="0"/>
+              <a:t>Certifying Differential Invariants in Backpropagation of Neural Networks using Abstract Duals</a:t>
             </a:r>
+            <a:endParaRPr sz="4400" dirty="0"/>
           </a:p>
         </p:txBody>
       </p:sp>
@@ -1997,31 +2004,33 @@
               <a:defRPr sz="2400"/>
             </a:pPr>
             <a:r>
-              <a:rPr dirty="0"/>
-              <a:t>PLACE</a:t>
+              <a:rPr lang="en-US" dirty="0"/>
+              <a:t>CSCI 7135 – Principles and Practice of Program Analysis</a:t>
             </a:r>
+            <a:endParaRPr dirty="0"/>
           </a:p>
           <a:p>
             <a:pPr>
               <a:defRPr sz="2400"/>
             </a:pPr>
             <a:r>
-              <a:rPr dirty="0"/>
-              <a:t>DATE</a:t>
+              <a:rPr lang="en-US" dirty="0"/>
+              <a:t>12-09-2025</a:t>
             </a:r>
+            <a:endParaRPr dirty="0"/>
           </a:p>
         </p:txBody>
       </p:sp>
       <p:sp>
         <p:nvSpPr>
-          <p:cNvPr id="67" name="AUTHOR 2"/>
+          <p:cNvPr id="69" name="AUTHOR 1"/>
           <p:cNvSpPr/>
           <p:nvPr/>
         </p:nvSpPr>
         <p:spPr>
           <a:xfrm>
-            <a:off x="5765031" y="6087082"/>
-            <a:ext cx="1474738" cy="436936"/>
+            <a:off x="5068517" y="6263355"/>
+            <a:ext cx="2867773" cy="410369"/>
           </a:xfrm>
           <a:prstGeom prst="rect">
             <a:avLst/>
@@ -2031,7 +2040,7 @@
           </a:ln>
           <a:extLst>
             <a:ext uri="{C572A759-6A51-4108-AA02-DFA0A04FC94B}">
-              <ma14:wrappingTextBoxFlag xmlns:ma14="http://schemas.microsoft.com/office/mac/drawingml/2011/main" xmlns="" val="1"/>
+              <ma14:wrappingTextBoxFlag xmlns="" xmlns:ma14="http://schemas.microsoft.com/office/mac/drawingml/2011/main" val="1"/>
             </a:ext>
           </a:extLst>
         </p:spPr>
@@ -2046,86 +2055,10 @@
           </a:lstStyle>
           <a:p>
             <a:r>
-              <a:t>AUTHOR 2</a:t>
+              <a:rPr lang="en-US" dirty="0"/>
+              <a:t>Chandra Kanth Nagesh</a:t>
             </a:r>
-          </a:p>
-        </p:txBody>
-      </p:sp>
-      <p:sp>
-        <p:nvSpPr>
-          <p:cNvPr id="68" name="AUTHOR 3"/>
-          <p:cNvSpPr/>
-          <p:nvPr/>
-        </p:nvSpPr>
-        <p:spPr>
-          <a:xfrm>
-            <a:off x="8807983" y="6087082"/>
-            <a:ext cx="2410892" cy="436936"/>
-          </a:xfrm>
-          <a:prstGeom prst="rect">
-            <a:avLst/>
-          </a:prstGeom>
-          <a:ln w="12700">
-            <a:miter lim="400000"/>
-          </a:ln>
-          <a:extLst>
-            <a:ext uri="{C572A759-6A51-4108-AA02-DFA0A04FC94B}">
-              <ma14:wrappingTextBoxFlag xmlns:ma14="http://schemas.microsoft.com/office/mac/drawingml/2011/main" xmlns="" val="1"/>
-            </a:ext>
-          </a:extLst>
-        </p:spPr>
-        <p:txBody>
-          <a:bodyPr wrap="none" lIns="50800" tIns="50800" rIns="50800" bIns="50800" anchor="ctr">
-            <a:spAutoFit/>
-          </a:bodyPr>
-          <a:lstStyle>
-            <a:lvl1pPr algn="ctr">
-              <a:defRPr sz="2000"/>
-            </a:lvl1pPr>
-          </a:lstStyle>
-          <a:p>
-            <a:r>
-              <a:t>AUTHOR 3</a:t>
-            </a:r>
-          </a:p>
-        </p:txBody>
-      </p:sp>
-      <p:sp>
-        <p:nvSpPr>
-          <p:cNvPr id="69" name="AUTHOR 1"/>
-          <p:cNvSpPr/>
-          <p:nvPr/>
-        </p:nvSpPr>
-        <p:spPr>
-          <a:xfrm>
-            <a:off x="2132241" y="6087082"/>
-            <a:ext cx="1718259" cy="436936"/>
-          </a:xfrm>
-          <a:prstGeom prst="rect">
-            <a:avLst/>
-          </a:prstGeom>
-          <a:ln w="12700">
-            <a:miter lim="400000"/>
-          </a:ln>
-          <a:extLst>
-            <a:ext uri="{C572A759-6A51-4108-AA02-DFA0A04FC94B}">
-              <ma14:wrappingTextBoxFlag xmlns:ma14="http://schemas.microsoft.com/office/mac/drawingml/2011/main" xmlns="" val="1"/>
-            </a:ext>
-          </a:extLst>
-        </p:spPr>
-        <p:txBody>
-          <a:bodyPr wrap="none" lIns="50800" tIns="50800" rIns="50800" bIns="50800" anchor="ctr">
-            <a:spAutoFit/>
-          </a:bodyPr>
-          <a:lstStyle>
-            <a:lvl1pPr algn="ctr">
-              <a:defRPr sz="2000"/>
-            </a:lvl1pPr>
-          </a:lstStyle>
-          <a:p>
-            <a:r>
-              <a:t>AUTHOR 1</a:t>
-            </a:r>
+            <a:endParaRPr dirty="0"/>
           </a:p>
         </p:txBody>
       </p:sp>
@@ -2148,7 +2081,7 @@
           </a:ln>
           <a:extLst>
             <a:ext uri="{C572A759-6A51-4108-AA02-DFA0A04FC94B}">
-              <ma14:wrappingTextBoxFlag xmlns:ma14="http://schemas.microsoft.com/office/mac/drawingml/2011/main" xmlns="" val="1"/>
+              <ma14:wrappingTextBoxFlag xmlns="" xmlns:ma14="http://schemas.microsoft.com/office/mac/drawingml/2011/main" val="1"/>
             </a:ext>
           </a:extLst>
         </p:spPr>
@@ -2167,87 +2100,6 @@
           </a:p>
         </p:txBody>
       </p:sp>
-      <p:pic>
-        <p:nvPicPr>
-          <p:cNvPr id="71" name="generic-female.png" descr="generic-female.png"/>
-          <p:cNvPicPr>
-            <a:picLocks noChangeAspect="1"/>
-          </p:cNvPicPr>
-          <p:nvPr/>
-        </p:nvPicPr>
-        <p:blipFill>
-          <a:blip r:embed="rId2"/>
-          <a:stretch>
-            <a:fillRect/>
-          </a:stretch>
-        </p:blipFill>
-        <p:spPr>
-          <a:xfrm>
-            <a:off x="2343670" y="4762350"/>
-            <a:ext cx="1295401" cy="1295401"/>
-          </a:xfrm>
-          <a:prstGeom prst="rect">
-            <a:avLst/>
-          </a:prstGeom>
-          <a:ln w="12700">
-            <a:miter lim="400000"/>
-          </a:ln>
-        </p:spPr>
-      </p:pic>
-      <p:pic>
-        <p:nvPicPr>
-          <p:cNvPr id="72" name="generic-male.png" descr="generic-male.png"/>
-          <p:cNvPicPr>
-            <a:picLocks noChangeAspect="1"/>
-          </p:cNvPicPr>
-          <p:nvPr/>
-        </p:nvPicPr>
-        <p:blipFill>
-          <a:blip r:embed="rId3"/>
-          <a:stretch>
-            <a:fillRect/>
-          </a:stretch>
-        </p:blipFill>
-        <p:spPr>
-          <a:xfrm>
-            <a:off x="5854700" y="4762350"/>
-            <a:ext cx="1295400" cy="1295401"/>
-          </a:xfrm>
-          <a:prstGeom prst="rect">
-            <a:avLst/>
-          </a:prstGeom>
-          <a:ln w="12700">
-            <a:miter lim="400000"/>
-          </a:ln>
-        </p:spPr>
-      </p:pic>
-      <p:pic>
-        <p:nvPicPr>
-          <p:cNvPr id="73" name="generic-female.png" descr="generic-female.png"/>
-          <p:cNvPicPr>
-            <a:picLocks noChangeAspect="1"/>
-          </p:cNvPicPr>
-          <p:nvPr/>
-        </p:nvPicPr>
-        <p:blipFill>
-          <a:blip r:embed="rId2"/>
-          <a:stretch>
-            <a:fillRect/>
-          </a:stretch>
-        </p:blipFill>
-        <p:spPr>
-          <a:xfrm>
-            <a:off x="9365729" y="4762350"/>
-            <a:ext cx="1295401" cy="1295401"/>
-          </a:xfrm>
-          <a:prstGeom prst="rect">
-            <a:avLst/>
-          </a:prstGeom>
-          <a:ln w="12700">
-            <a:miter lim="400000"/>
-          </a:ln>
-        </p:spPr>
-      </p:pic>
     </p:spTree>
   </p:cSld>
   <p:clrMapOvr>
@@ -2504,7 +2356,7 @@
           </a:prstGeom>
           <a:extLst>
             <a:ext uri="{C572A759-6A51-4108-AA02-DFA0A04FC94B}">
-              <ma14:wrappingTextBoxFlag xmlns:ma14="http://schemas.microsoft.com/office/mac/drawingml/2011/main" xmlns="" val="1"/>
+              <ma14:wrappingTextBoxFlag xmlns="" xmlns:ma14="http://schemas.microsoft.com/office/mac/drawingml/2011/main" val="1"/>
             </a:ext>
           </a:extLst>
         </p:spPr>
@@ -2520,6 +2372,820 @@
           </a:p>
         </p:txBody>
       </p:sp>
+      <mc:AlternateContent xmlns:mc="http://schemas.openxmlformats.org/markup-compatibility/2006">
+        <mc:Choice xmlns:a14="http://schemas.microsoft.com/office/drawing/2010/main" Requires="a14">
+          <p:sp>
+            <p:nvSpPr>
+              <p:cNvPr id="3" name="TextBox 2">
+                <a:extLst>
+                  <a:ext uri="{FF2B5EF4-FFF2-40B4-BE49-F238E27FC236}">
+                    <a16:creationId xmlns:a16="http://schemas.microsoft.com/office/drawing/2014/main" id="{D70CEB8E-D851-122F-C73B-AEF34F02747A}"/>
+                  </a:ext>
+                </a:extLst>
+              </p:cNvPr>
+              <p:cNvSpPr txBox="1"/>
+              <p:nvPr/>
+            </p:nvSpPr>
+            <p:spPr>
+              <a:xfrm>
+                <a:off x="662152" y="2195400"/>
+                <a:ext cx="11745310" cy="2687915"/>
+              </a:xfrm>
+              <a:prstGeom prst="rect">
+                <a:avLst/>
+              </a:prstGeom>
+              <a:noFill/>
+              <a:ln w="12700" cap="flat">
+                <a:noFill/>
+                <a:miter lim="400000"/>
+              </a:ln>
+              <a:effectLst/>
+              <a:sp3d/>
+            </p:spPr>
+            <p:style>
+              <a:lnRef idx="0">
+                <a:scrgbClr r="0" g="0" b="0"/>
+              </a:lnRef>
+              <a:fillRef idx="0">
+                <a:scrgbClr r="0" g="0" b="0"/>
+              </a:fillRef>
+              <a:effectRef idx="0">
+                <a:scrgbClr r="0" g="0" b="0"/>
+              </a:effectRef>
+              <a:fontRef idx="none"/>
+            </p:style>
+            <p:txBody>
+              <a:bodyPr rot="0" spcFirstLastPara="1" vertOverflow="overflow" horzOverflow="overflow" vert="horz" wrap="square" lIns="50800" tIns="50800" rIns="50800" bIns="50800" numCol="1" spcCol="38100" rtlCol="0" anchor="ctr">
+                <a:spAutoFit/>
+              </a:bodyPr>
+              <a:lstStyle/>
+              <a:p>
+                <a:pPr marL="457200" indent="-457200">
+                  <a:buFont typeface="Arial" panose="020B0604020202020204" pitchFamily="34" charset="0"/>
+                  <a:buChar char="•"/>
+                </a:pPr>
+                <a:r>
+                  <a:rPr lang="en-US" sz="2800" dirty="0"/>
+                  <a:t>Neural Networks are highly non-linear and vulnerable to </a:t>
+                </a:r>
+                <a:r>
+                  <a:rPr lang="en-US" sz="2800" i="1" dirty="0"/>
+                  <a:t>adversarial attacks</a:t>
+                </a:r>
+                <a:r>
+                  <a:rPr lang="en-US" sz="2800" dirty="0"/>
+                  <a:t>.</a:t>
+                </a:r>
+              </a:p>
+              <a:p>
+                <a:pPr marL="457200" indent="-457200">
+                  <a:buFont typeface="Arial" panose="020B0604020202020204" pitchFamily="34" charset="0"/>
+                  <a:buChar char="•"/>
+                </a:pPr>
+                <a:r>
+                  <a:rPr lang="en-US" sz="2800" dirty="0"/>
+                  <a:t>A tiny </a:t>
+                </a:r>
+                <a14:m>
+                  <m:oMath xmlns:m="http://schemas.openxmlformats.org/officeDocument/2006/math">
+                    <m:r>
+                      <a:rPr lang="en-US" sz="2800" i="1" smtClean="0">
+                        <a:latin typeface="Cambria Math" panose="02040503050406030204" pitchFamily="18" charset="0"/>
+                        <a:ea typeface="Cambria Math" panose="02040503050406030204" pitchFamily="18" charset="0"/>
+                      </a:rPr>
+                      <m:t>𝜖</m:t>
+                    </m:r>
+                  </m:oMath>
+                </a14:m>
+                <a:r>
+                  <a:rPr lang="en-US" sz="2800" dirty="0"/>
+                  <a:t> change to an input image can drastically change the output classification.</a:t>
+                </a:r>
+              </a:p>
+              <a:p>
+                <a:pPr marL="457200" indent="-457200">
+                  <a:buFont typeface="Arial" panose="020B0604020202020204" pitchFamily="34" charset="0"/>
+                  <a:buChar char="•"/>
+                </a:pPr>
+                <a:r>
+                  <a:rPr lang="en-US" sz="2800" dirty="0"/>
+                  <a:t>Testing on a finite set of examples is insufficient for safety-critical applications (e.g., in autonomous driving)</a:t>
+                </a:r>
+                <a:endParaRPr kumimoji="0" lang="en-US" sz="2800" i="0" u="none" strike="noStrike" cap="none" spc="0" normalizeH="0" baseline="0" dirty="0">
+                  <a:ln>
+                    <a:noFill/>
+                  </a:ln>
+                  <a:solidFill>
+                    <a:srgbClr val="000000"/>
+                  </a:solidFill>
+                  <a:effectLst/>
+                  <a:uFillTx/>
+                  <a:ea typeface="CMU Concrete Roman" panose="02000603000000000000" pitchFamily="2" charset="0"/>
+                  <a:sym typeface="Futura"/>
+                </a:endParaRPr>
+              </a:p>
+            </p:txBody>
+          </p:sp>
+        </mc:Choice>
+        <mc:Fallback>
+          <p:sp>
+            <p:nvSpPr>
+              <p:cNvPr id="3" name="TextBox 2">
+                <a:extLst>
+                  <a:ext uri="{FF2B5EF4-FFF2-40B4-BE49-F238E27FC236}">
+                    <a16:creationId xmlns:a16="http://schemas.microsoft.com/office/drawing/2014/main" id="{D70CEB8E-D851-122F-C73B-AEF34F02747A}"/>
+                  </a:ext>
+                </a:extLst>
+              </p:cNvPr>
+              <p:cNvSpPr txBox="1">
+                <a:spLocks noRot="1" noChangeAspect="1" noMove="1" noResize="1" noEditPoints="1" noAdjustHandles="1" noChangeArrowheads="1" noChangeShapeType="1" noTextEdit="1"/>
+              </p:cNvSpPr>
+              <p:nvPr/>
+            </p:nvSpPr>
+            <p:spPr>
+              <a:xfrm>
+                <a:off x="662152" y="2195400"/>
+                <a:ext cx="11745310" cy="2687915"/>
+              </a:xfrm>
+              <a:prstGeom prst="rect">
+                <a:avLst/>
+              </a:prstGeom>
+              <a:blipFill>
+                <a:blip r:embed="rId2"/>
+                <a:stretch>
+                  <a:fillRect l="-1297" t="-1878" r="-1946" b="-5634"/>
+                </a:stretch>
+              </a:blipFill>
+              <a:ln w="12700" cap="flat">
+                <a:noFill/>
+                <a:miter lim="400000"/>
+              </a:ln>
+              <a:effectLst/>
+            </p:spPr>
+            <p:txBody>
+              <a:bodyPr/>
+              <a:lstStyle/>
+              <a:p>
+                <a:r>
+                  <a:rPr lang="en-US">
+                    <a:noFill/>
+                  </a:rPr>
+                  <a:t> </a:t>
+                </a:r>
+              </a:p>
+            </p:txBody>
+          </p:sp>
+        </mc:Fallback>
+      </mc:AlternateContent>
+      <p:sp>
+        <p:nvSpPr>
+          <p:cNvPr id="15" name="TextBox 14">
+            <a:extLst>
+              <a:ext uri="{FF2B5EF4-FFF2-40B4-BE49-F238E27FC236}">
+                <a16:creationId xmlns:a16="http://schemas.microsoft.com/office/drawing/2014/main" id="{D7CD4429-1D05-6AAF-D7AF-F0FB429FA6E6}"/>
+              </a:ext>
+            </a:extLst>
+          </p:cNvPr>
+          <p:cNvSpPr txBox="1"/>
+          <p:nvPr/>
+        </p:nvSpPr>
+        <p:spPr>
+          <a:xfrm>
+            <a:off x="2157640" y="8323814"/>
+            <a:ext cx="1695977" cy="379591"/>
+          </a:xfrm>
+          <a:prstGeom prst="rect">
+            <a:avLst/>
+          </a:prstGeom>
+          <a:noFill/>
+          <a:ln w="12700" cap="flat">
+            <a:noFill/>
+            <a:miter lim="400000"/>
+          </a:ln>
+          <a:effectLst/>
+          <a:sp3d/>
+        </p:spPr>
+        <p:style>
+          <a:lnRef idx="0">
+            <a:scrgbClr r="0" g="0" b="0"/>
+          </a:lnRef>
+          <a:fillRef idx="0">
+            <a:scrgbClr r="0" g="0" b="0"/>
+          </a:fillRef>
+          <a:effectRef idx="0">
+            <a:scrgbClr r="0" g="0" b="0"/>
+          </a:effectRef>
+          <a:fontRef idx="none"/>
+        </p:style>
+        <p:txBody>
+          <a:bodyPr rot="0" spcFirstLastPara="1" vertOverflow="overflow" horzOverflow="overflow" vert="horz" wrap="none" lIns="50800" tIns="50800" rIns="50800" bIns="50800" numCol="1" spcCol="38100" rtlCol="0" anchor="ctr">
+            <a:spAutoFit/>
+          </a:bodyPr>
+          <a:lstStyle/>
+          <a:p>
+            <a:pPr marL="0" marR="0" indent="0" algn="l" defTabSz="584200" rtl="0" fontAlgn="auto" latinLnBrk="0" hangingPunct="0">
+              <a:lnSpc>
+                <a:spcPct val="100000"/>
+              </a:lnSpc>
+              <a:spcBef>
+                <a:spcPts val="0"/>
+              </a:spcBef>
+              <a:spcAft>
+                <a:spcPts val="0"/>
+              </a:spcAft>
+              <a:buClrTx/>
+              <a:buSzTx/>
+              <a:buFontTx/>
+              <a:buNone/>
+              <a:tabLst/>
+            </a:pPr>
+            <a:r>
+              <a:rPr kumimoji="0" lang="en-US" sz="1800" b="0" i="0" u="none" strike="noStrike" cap="none" spc="0" normalizeH="0" baseline="0" dirty="0">
+                <a:ln>
+                  <a:noFill/>
+                </a:ln>
+                <a:solidFill>
+                  <a:srgbClr val="000000"/>
+                </a:solidFill>
+                <a:effectLst/>
+                <a:uFillTx/>
+                <a:latin typeface="Futura"/>
+                <a:ea typeface="Futura"/>
+                <a:cs typeface="Futura"/>
+                <a:sym typeface="Futura"/>
+              </a:rPr>
+              <a:t>Original Image</a:t>
+            </a:r>
+          </a:p>
+        </p:txBody>
+      </p:sp>
+      <mc:AlternateContent xmlns:mc="http://schemas.openxmlformats.org/markup-compatibility/2006">
+        <mc:Choice xmlns:a14="http://schemas.microsoft.com/office/drawing/2010/main" Requires="a14">
+          <p:sp>
+            <p:nvSpPr>
+              <p:cNvPr id="16" name="TextBox 15">
+                <a:extLst>
+                  <a:ext uri="{FF2B5EF4-FFF2-40B4-BE49-F238E27FC236}">
+                    <a16:creationId xmlns:a16="http://schemas.microsoft.com/office/drawing/2014/main" id="{ED6DBAB1-ECE8-3F65-FB76-4127147F7302}"/>
+                  </a:ext>
+                </a:extLst>
+              </p:cNvPr>
+              <p:cNvSpPr txBox="1"/>
+              <p:nvPr/>
+            </p:nvSpPr>
+            <p:spPr>
+              <a:xfrm>
+                <a:off x="5686818" y="8323814"/>
+                <a:ext cx="1695977" cy="656590"/>
+              </a:xfrm>
+              <a:prstGeom prst="rect">
+                <a:avLst/>
+              </a:prstGeom>
+              <a:noFill/>
+              <a:ln w="12700" cap="flat">
+                <a:noFill/>
+                <a:miter lim="400000"/>
+              </a:ln>
+              <a:effectLst/>
+              <a:sp3d/>
+            </p:spPr>
+            <p:style>
+              <a:lnRef idx="0">
+                <a:scrgbClr r="0" g="0" b="0"/>
+              </a:lnRef>
+              <a:fillRef idx="0">
+                <a:scrgbClr r="0" g="0" b="0"/>
+              </a:fillRef>
+              <a:effectRef idx="0">
+                <a:scrgbClr r="0" g="0" b="0"/>
+              </a:effectRef>
+              <a:fontRef idx="none"/>
+            </p:style>
+            <p:txBody>
+              <a:bodyPr rot="0" spcFirstLastPara="1" vertOverflow="overflow" horzOverflow="overflow" vert="horz" wrap="none" lIns="50800" tIns="50800" rIns="50800" bIns="50800" numCol="1" spcCol="38100" rtlCol="0" anchor="ctr">
+                <a:spAutoFit/>
+              </a:bodyPr>
+              <a:lstStyle/>
+              <a:p>
+                <a:pPr marL="0" marR="0" indent="0" algn="ctr" defTabSz="584200" rtl="0" fontAlgn="auto" latinLnBrk="0" hangingPunct="0">
+                  <a:lnSpc>
+                    <a:spcPct val="100000"/>
+                  </a:lnSpc>
+                  <a:spcBef>
+                    <a:spcPts val="0"/>
+                  </a:spcBef>
+                  <a:spcAft>
+                    <a:spcPts val="0"/>
+                  </a:spcAft>
+                  <a:buClrTx/>
+                  <a:buSzTx/>
+                  <a:buFontTx/>
+                  <a:buNone/>
+                  <a:tabLst/>
+                </a:pPr>
+                <a:r>
+                  <a:rPr kumimoji="0" lang="en-US" sz="1800" b="0" i="0" u="none" strike="noStrike" cap="none" spc="0" normalizeH="0" baseline="0" dirty="0">
+                    <a:ln>
+                      <a:noFill/>
+                    </a:ln>
+                    <a:solidFill>
+                      <a:srgbClr val="000000"/>
+                    </a:solidFill>
+                    <a:effectLst/>
+                    <a:uFillTx/>
+                    <a:latin typeface="Futura"/>
+                    <a:ea typeface="Futura"/>
+                    <a:cs typeface="Futura"/>
+                    <a:sym typeface="Futura"/>
+                  </a:rPr>
+                  <a:t>Original Image</a:t>
+                </a:r>
+              </a:p>
+              <a:p>
+                <a:pPr algn="ctr"/>
+                <a:r>
+                  <a:rPr lang="en-US" sz="1800" dirty="0"/>
+                  <a:t>+ </a:t>
+                </a:r>
+                <a14:m>
+                  <m:oMath xmlns:m="http://schemas.openxmlformats.org/officeDocument/2006/math">
+                    <m:r>
+                      <a:rPr lang="en-US" sz="1800" i="1">
+                        <a:latin typeface="Cambria Math" panose="02040503050406030204" pitchFamily="18" charset="0"/>
+                        <a:ea typeface="Cambria Math" panose="02040503050406030204" pitchFamily="18" charset="0"/>
+                      </a:rPr>
+                      <m:t>𝜖</m:t>
+                    </m:r>
+                    <m:r>
+                      <a:rPr lang="en-US" sz="1800" b="0" i="1" smtClean="0">
+                        <a:latin typeface="Cambria Math" panose="02040503050406030204" pitchFamily="18" charset="0"/>
+                        <a:ea typeface="Cambria Math" panose="02040503050406030204" pitchFamily="18" charset="0"/>
+                      </a:rPr>
+                      <m:t>=0.25</m:t>
+                    </m:r>
+                  </m:oMath>
+                </a14:m>
+                <a:endParaRPr kumimoji="0" lang="en-US" sz="1800" b="0" i="0" u="none" strike="noStrike" cap="none" spc="0" normalizeH="0" baseline="0" dirty="0">
+                  <a:ln>
+                    <a:noFill/>
+                  </a:ln>
+                  <a:solidFill>
+                    <a:srgbClr val="000000"/>
+                  </a:solidFill>
+                  <a:effectLst/>
+                  <a:uFillTx/>
+                  <a:latin typeface="Futura"/>
+                  <a:ea typeface="Futura"/>
+                  <a:cs typeface="Futura"/>
+                  <a:sym typeface="Futura"/>
+                </a:endParaRPr>
+              </a:p>
+            </p:txBody>
+          </p:sp>
+        </mc:Choice>
+        <mc:Fallback>
+          <p:sp>
+            <p:nvSpPr>
+              <p:cNvPr id="16" name="TextBox 15">
+                <a:extLst>
+                  <a:ext uri="{FF2B5EF4-FFF2-40B4-BE49-F238E27FC236}">
+                    <a16:creationId xmlns:a16="http://schemas.microsoft.com/office/drawing/2014/main" id="{ED6DBAB1-ECE8-3F65-FB76-4127147F7302}"/>
+                  </a:ext>
+                </a:extLst>
+              </p:cNvPr>
+              <p:cNvSpPr txBox="1">
+                <a:spLocks noRot="1" noChangeAspect="1" noMove="1" noResize="1" noEditPoints="1" noAdjustHandles="1" noChangeArrowheads="1" noChangeShapeType="1" noTextEdit="1"/>
+              </p:cNvSpPr>
+              <p:nvPr/>
+            </p:nvSpPr>
+            <p:spPr>
+              <a:xfrm>
+                <a:off x="5686818" y="8323814"/>
+                <a:ext cx="1695977" cy="656590"/>
+              </a:xfrm>
+              <a:prstGeom prst="rect">
+                <a:avLst/>
+              </a:prstGeom>
+              <a:blipFill>
+                <a:blip r:embed="rId3"/>
+                <a:stretch>
+                  <a:fillRect l="-4444" t="-3774" r="-4444" b="-11321"/>
+                </a:stretch>
+              </a:blipFill>
+              <a:ln w="12700" cap="flat">
+                <a:noFill/>
+                <a:miter lim="400000"/>
+              </a:ln>
+              <a:effectLst/>
+            </p:spPr>
+            <p:txBody>
+              <a:bodyPr/>
+              <a:lstStyle/>
+              <a:p>
+                <a:r>
+                  <a:rPr lang="en-US">
+                    <a:noFill/>
+                  </a:rPr>
+                  <a:t> </a:t>
+                </a:r>
+              </a:p>
+            </p:txBody>
+          </p:sp>
+        </mc:Fallback>
+      </mc:AlternateContent>
+      <mc:AlternateContent xmlns:mc="http://schemas.openxmlformats.org/markup-compatibility/2006">
+        <mc:Choice xmlns:a14="http://schemas.microsoft.com/office/drawing/2010/main" Requires="a14">
+          <p:sp>
+            <p:nvSpPr>
+              <p:cNvPr id="17" name="TextBox 16">
+                <a:extLst>
+                  <a:ext uri="{FF2B5EF4-FFF2-40B4-BE49-F238E27FC236}">
+                    <a16:creationId xmlns:a16="http://schemas.microsoft.com/office/drawing/2014/main" id="{37720BD3-B2F2-643A-93DB-68CA37BA6FCE}"/>
+                  </a:ext>
+                </a:extLst>
+              </p:cNvPr>
+              <p:cNvSpPr txBox="1"/>
+              <p:nvPr/>
+            </p:nvSpPr>
+            <p:spPr>
+              <a:xfrm>
+                <a:off x="9151182" y="8323814"/>
+                <a:ext cx="1695977" cy="656590"/>
+              </a:xfrm>
+              <a:prstGeom prst="rect">
+                <a:avLst/>
+              </a:prstGeom>
+              <a:noFill/>
+              <a:ln w="12700" cap="flat">
+                <a:noFill/>
+                <a:miter lim="400000"/>
+              </a:ln>
+              <a:effectLst/>
+              <a:sp3d/>
+            </p:spPr>
+            <p:style>
+              <a:lnRef idx="0">
+                <a:scrgbClr r="0" g="0" b="0"/>
+              </a:lnRef>
+              <a:fillRef idx="0">
+                <a:scrgbClr r="0" g="0" b="0"/>
+              </a:fillRef>
+              <a:effectRef idx="0">
+                <a:scrgbClr r="0" g="0" b="0"/>
+              </a:effectRef>
+              <a:fontRef idx="none"/>
+            </p:style>
+            <p:txBody>
+              <a:bodyPr rot="0" spcFirstLastPara="1" vertOverflow="overflow" horzOverflow="overflow" vert="horz" wrap="none" lIns="50800" tIns="50800" rIns="50800" bIns="50800" numCol="1" spcCol="38100" rtlCol="0" anchor="ctr">
+                <a:spAutoFit/>
+              </a:bodyPr>
+              <a:lstStyle/>
+              <a:p>
+                <a:pPr marL="0" marR="0" indent="0" algn="ctr" defTabSz="584200" rtl="0" fontAlgn="auto" latinLnBrk="0" hangingPunct="0">
+                  <a:lnSpc>
+                    <a:spcPct val="100000"/>
+                  </a:lnSpc>
+                  <a:spcBef>
+                    <a:spcPts val="0"/>
+                  </a:spcBef>
+                  <a:spcAft>
+                    <a:spcPts val="0"/>
+                  </a:spcAft>
+                  <a:buClrTx/>
+                  <a:buSzTx/>
+                  <a:buFontTx/>
+                  <a:buNone/>
+                  <a:tabLst/>
+                </a:pPr>
+                <a:r>
+                  <a:rPr kumimoji="0" lang="en-US" sz="1800" b="0" i="0" u="none" strike="noStrike" cap="none" spc="0" normalizeH="0" baseline="0" dirty="0">
+                    <a:ln>
+                      <a:noFill/>
+                    </a:ln>
+                    <a:solidFill>
+                      <a:srgbClr val="000000"/>
+                    </a:solidFill>
+                    <a:effectLst/>
+                    <a:uFillTx/>
+                    <a:latin typeface="Futura"/>
+                    <a:ea typeface="Futura"/>
+                    <a:cs typeface="Futura"/>
+                    <a:sym typeface="Futura"/>
+                  </a:rPr>
+                  <a:t>Original Image</a:t>
+                </a:r>
+              </a:p>
+              <a:p>
+                <a:pPr algn="ctr"/>
+                <a:r>
+                  <a:rPr lang="en-US" sz="1800" dirty="0"/>
+                  <a:t>+ </a:t>
+                </a:r>
+                <a14:m>
+                  <m:oMath xmlns:m="http://schemas.openxmlformats.org/officeDocument/2006/math">
+                    <m:r>
+                      <a:rPr lang="en-US" sz="1800" i="1">
+                        <a:latin typeface="Cambria Math" panose="02040503050406030204" pitchFamily="18" charset="0"/>
+                        <a:ea typeface="Cambria Math" panose="02040503050406030204" pitchFamily="18" charset="0"/>
+                      </a:rPr>
+                      <m:t>𝜖</m:t>
+                    </m:r>
+                    <m:r>
+                      <a:rPr lang="en-US" sz="1800" b="0" i="1" smtClean="0">
+                        <a:latin typeface="Cambria Math" panose="02040503050406030204" pitchFamily="18" charset="0"/>
+                        <a:ea typeface="Cambria Math" panose="02040503050406030204" pitchFamily="18" charset="0"/>
+                      </a:rPr>
+                      <m:t>=0.1</m:t>
+                    </m:r>
+                  </m:oMath>
+                </a14:m>
+                <a:endParaRPr kumimoji="0" lang="en-US" sz="1800" b="0" i="0" u="none" strike="noStrike" cap="none" spc="0" normalizeH="0" baseline="0" dirty="0">
+                  <a:ln>
+                    <a:noFill/>
+                  </a:ln>
+                  <a:solidFill>
+                    <a:srgbClr val="000000"/>
+                  </a:solidFill>
+                  <a:effectLst/>
+                  <a:uFillTx/>
+                  <a:latin typeface="Futura"/>
+                  <a:ea typeface="Futura"/>
+                  <a:cs typeface="Futura"/>
+                  <a:sym typeface="Futura"/>
+                </a:endParaRPr>
+              </a:p>
+            </p:txBody>
+          </p:sp>
+        </mc:Choice>
+        <mc:Fallback>
+          <p:sp>
+            <p:nvSpPr>
+              <p:cNvPr id="17" name="TextBox 16">
+                <a:extLst>
+                  <a:ext uri="{FF2B5EF4-FFF2-40B4-BE49-F238E27FC236}">
+                    <a16:creationId xmlns:a16="http://schemas.microsoft.com/office/drawing/2014/main" id="{37720BD3-B2F2-643A-93DB-68CA37BA6FCE}"/>
+                  </a:ext>
+                </a:extLst>
+              </p:cNvPr>
+              <p:cNvSpPr txBox="1">
+                <a:spLocks noRot="1" noChangeAspect="1" noMove="1" noResize="1" noEditPoints="1" noAdjustHandles="1" noChangeArrowheads="1" noChangeShapeType="1" noTextEdit="1"/>
+              </p:cNvSpPr>
+              <p:nvPr/>
+            </p:nvSpPr>
+            <p:spPr>
+              <a:xfrm>
+                <a:off x="9151182" y="8323814"/>
+                <a:ext cx="1695977" cy="656590"/>
+              </a:xfrm>
+              <a:prstGeom prst="rect">
+                <a:avLst/>
+              </a:prstGeom>
+              <a:blipFill>
+                <a:blip r:embed="rId4"/>
+                <a:stretch>
+                  <a:fillRect l="-5224" t="-3774" r="-5224" b="-11321"/>
+                </a:stretch>
+              </a:blipFill>
+              <a:ln w="12700" cap="flat">
+                <a:noFill/>
+                <a:miter lim="400000"/>
+              </a:ln>
+              <a:effectLst/>
+            </p:spPr>
+            <p:txBody>
+              <a:bodyPr/>
+              <a:lstStyle/>
+              <a:p>
+                <a:r>
+                  <a:rPr lang="en-US">
+                    <a:noFill/>
+                  </a:rPr>
+                  <a:t> </a:t>
+                </a:r>
+              </a:p>
+            </p:txBody>
+          </p:sp>
+        </mc:Fallback>
+      </mc:AlternateContent>
+      <p:pic>
+        <p:nvPicPr>
+          <p:cNvPr id="19" name="Graphic 18" descr="Badge Tick outline">
+            <a:extLst>
+              <a:ext uri="{FF2B5EF4-FFF2-40B4-BE49-F238E27FC236}">
+                <a16:creationId xmlns:a16="http://schemas.microsoft.com/office/drawing/2014/main" id="{2F5819D3-55E5-BEF1-5D3B-3F8DDAED1946}"/>
+              </a:ext>
+            </a:extLst>
+          </p:cNvPr>
+          <p:cNvPicPr>
+            <a:picLocks noChangeAspect="1"/>
+          </p:cNvPicPr>
+          <p:nvPr/>
+        </p:nvPicPr>
+        <p:blipFill>
+          <a:blip r:embed="rId5">
+            <a:extLst>
+              <a:ext uri="{96DAC541-7B7A-43D3-8B79-37D633B846F1}">
+                <asvg:svgBlip xmlns:asvg="http://schemas.microsoft.com/office/drawing/2016/SVG/main" r:embed="rId6"/>
+              </a:ext>
+            </a:extLst>
+          </a:blip>
+          <a:stretch>
+            <a:fillRect/>
+          </a:stretch>
+        </p:blipFill>
+        <p:spPr>
+          <a:xfrm>
+            <a:off x="3455182" y="5345879"/>
+            <a:ext cx="1156325" cy="1156325"/>
+          </a:xfrm>
+          <a:prstGeom prst="rect">
+            <a:avLst/>
+          </a:prstGeom>
+        </p:spPr>
+      </p:pic>
+      <p:pic>
+        <p:nvPicPr>
+          <p:cNvPr id="31" name="Graphic 30" descr="Badge Question Mark outline">
+            <a:extLst>
+              <a:ext uri="{FF2B5EF4-FFF2-40B4-BE49-F238E27FC236}">
+                <a16:creationId xmlns:a16="http://schemas.microsoft.com/office/drawing/2014/main" id="{617DC00E-D7F7-4D28-0171-28FCC5DFCE4C}"/>
+              </a:ext>
+            </a:extLst>
+          </p:cNvPr>
+          <p:cNvPicPr>
+            <a:picLocks noChangeAspect="1"/>
+          </p:cNvPicPr>
+          <p:nvPr/>
+        </p:nvPicPr>
+        <p:blipFill>
+          <a:blip r:embed="rId7">
+            <a:extLst>
+              <a:ext uri="{96DAC541-7B7A-43D3-8B79-37D633B846F1}">
+                <asvg:svgBlip xmlns:asvg="http://schemas.microsoft.com/office/drawing/2016/SVG/main" r:embed="rId8"/>
+              </a:ext>
+            </a:extLst>
+          </a:blip>
+          <a:stretch>
+            <a:fillRect/>
+          </a:stretch>
+        </p:blipFill>
+        <p:spPr>
+          <a:xfrm>
+            <a:off x="7072915" y="5436973"/>
+            <a:ext cx="1065231" cy="1065231"/>
+          </a:xfrm>
+          <a:prstGeom prst="rect">
+            <a:avLst/>
+          </a:prstGeom>
+        </p:spPr>
+      </p:pic>
+      <p:pic>
+        <p:nvPicPr>
+          <p:cNvPr id="32" name="Graphic 31" descr="Badge Question Mark outline">
+            <a:extLst>
+              <a:ext uri="{FF2B5EF4-FFF2-40B4-BE49-F238E27FC236}">
+                <a16:creationId xmlns:a16="http://schemas.microsoft.com/office/drawing/2014/main" id="{76F28E3C-B844-5709-BCB1-7C5C4473A354}"/>
+              </a:ext>
+            </a:extLst>
+          </p:cNvPr>
+          <p:cNvPicPr>
+            <a:picLocks noChangeAspect="1"/>
+          </p:cNvPicPr>
+          <p:nvPr/>
+        </p:nvPicPr>
+        <p:blipFill>
+          <a:blip r:embed="rId7">
+            <a:extLst>
+              <a:ext uri="{96DAC541-7B7A-43D3-8B79-37D633B846F1}">
+                <asvg:svgBlip xmlns:asvg="http://schemas.microsoft.com/office/drawing/2016/SVG/main" r:embed="rId8"/>
+              </a:ext>
+            </a:extLst>
+          </a:blip>
+          <a:stretch>
+            <a:fillRect/>
+          </a:stretch>
+        </p:blipFill>
+        <p:spPr>
+          <a:xfrm>
+            <a:off x="10599554" y="5436973"/>
+            <a:ext cx="1065231" cy="1065231"/>
+          </a:xfrm>
+          <a:prstGeom prst="rect">
+            <a:avLst/>
+          </a:prstGeom>
+        </p:spPr>
+      </p:pic>
+      <p:pic>
+        <p:nvPicPr>
+          <p:cNvPr id="13" name="Picture 12" descr="A black and white image of a snake&#10;&#10;AI-generated content may be incorrect.">
+            <a:extLst>
+              <a:ext uri="{FF2B5EF4-FFF2-40B4-BE49-F238E27FC236}">
+                <a16:creationId xmlns:a16="http://schemas.microsoft.com/office/drawing/2014/main" id="{1F71FCB3-5DF5-813F-BE9B-9B91BE1B34BF}"/>
+              </a:ext>
+            </a:extLst>
+          </p:cNvPr>
+          <p:cNvPicPr>
+            <a:picLocks noChangeAspect="1"/>
+          </p:cNvPicPr>
+          <p:nvPr/>
+        </p:nvPicPr>
+        <p:blipFill>
+          <a:blip r:embed="rId9">
+            <a:extLst>
+              <a:ext uri="{28A0092B-C50C-407E-A947-70E740481C1C}">
+                <a14:useLocalDpi xmlns:a14="http://schemas.microsoft.com/office/drawing/2010/main" val="0"/>
+              </a:ext>
+            </a:extLst>
+          </a:blip>
+          <a:srcRect l="33883" t="10248" r="33113" b="10644"/>
+          <a:stretch>
+            <a:fillRect/>
+          </a:stretch>
+        </p:blipFill>
+        <p:spPr>
+          <a:xfrm>
+            <a:off x="5474684" y="6124901"/>
+            <a:ext cx="2055432" cy="1970688"/>
+          </a:xfrm>
+          <a:prstGeom prst="rect">
+            <a:avLst/>
+          </a:prstGeom>
+        </p:spPr>
+      </p:pic>
+      <p:pic>
+        <p:nvPicPr>
+          <p:cNvPr id="14" name="Picture 13" descr="A black and white image of a snake&#10;&#10;AI-generated content may be incorrect.">
+            <a:extLst>
+              <a:ext uri="{FF2B5EF4-FFF2-40B4-BE49-F238E27FC236}">
+                <a16:creationId xmlns:a16="http://schemas.microsoft.com/office/drawing/2014/main" id="{2CCE8579-BED8-5045-3733-E792AFAEE763}"/>
+              </a:ext>
+            </a:extLst>
+          </p:cNvPr>
+          <p:cNvPicPr>
+            <a:picLocks noChangeAspect="1"/>
+          </p:cNvPicPr>
+          <p:nvPr/>
+        </p:nvPicPr>
+        <p:blipFill>
+          <a:blip r:embed="rId9">
+            <a:extLst>
+              <a:ext uri="{28A0092B-C50C-407E-A947-70E740481C1C}">
+                <a14:useLocalDpi xmlns:a14="http://schemas.microsoft.com/office/drawing/2010/main" val="0"/>
+              </a:ext>
+            </a:extLst>
+          </a:blip>
+          <a:srcRect l="66996" t="10248" b="10644"/>
+          <a:stretch>
+            <a:fillRect/>
+          </a:stretch>
+        </p:blipFill>
+        <p:spPr>
+          <a:xfrm>
+            <a:off x="8971455" y="6124901"/>
+            <a:ext cx="2055432" cy="1970688"/>
+          </a:xfrm>
+          <a:prstGeom prst="rect">
+            <a:avLst/>
+          </a:prstGeom>
+        </p:spPr>
+      </p:pic>
+      <p:pic>
+        <p:nvPicPr>
+          <p:cNvPr id="12" name="Picture 11" descr="A black and white image of a snake&#10;&#10;AI-generated content may be incorrect.">
+            <a:extLst>
+              <a:ext uri="{FF2B5EF4-FFF2-40B4-BE49-F238E27FC236}">
+                <a16:creationId xmlns:a16="http://schemas.microsoft.com/office/drawing/2014/main" id="{E9565866-B595-6F1C-DB5D-F51B1E5412BC}"/>
+              </a:ext>
+            </a:extLst>
+          </p:cNvPr>
+          <p:cNvPicPr>
+            <a:picLocks noChangeAspect="1"/>
+          </p:cNvPicPr>
+          <p:nvPr/>
+        </p:nvPicPr>
+        <p:blipFill>
+          <a:blip r:embed="rId9">
+            <a:extLst>
+              <a:ext uri="{28A0092B-C50C-407E-A947-70E740481C1C}">
+                <a14:useLocalDpi xmlns:a14="http://schemas.microsoft.com/office/drawing/2010/main" val="0"/>
+              </a:ext>
+            </a:extLst>
+          </a:blip>
+          <a:srcRect t="10248" r="66996" b="10644"/>
+          <a:stretch>
+            <a:fillRect/>
+          </a:stretch>
+        </p:blipFill>
+        <p:spPr>
+          <a:xfrm>
+            <a:off x="1977913" y="6124901"/>
+            <a:ext cx="2055432" cy="1970688"/>
+          </a:xfrm>
+          <a:prstGeom prst="rect">
+            <a:avLst/>
+          </a:prstGeom>
+        </p:spPr>
+      </p:pic>
     </p:spTree>
   </p:cSld>
   <p:clrMapOvr>
@@ -2574,6 +3240,249 @@
           </a:p>
         </p:txBody>
       </p:sp>
+      <mc:AlternateContent xmlns:mc="http://schemas.openxmlformats.org/markup-compatibility/2006">
+        <mc:Choice xmlns:a14="http://schemas.microsoft.com/office/drawing/2010/main" Requires="a14">
+          <p:sp>
+            <p:nvSpPr>
+              <p:cNvPr id="3" name="TextBox 2">
+                <a:extLst>
+                  <a:ext uri="{FF2B5EF4-FFF2-40B4-BE49-F238E27FC236}">
+                    <a16:creationId xmlns:a16="http://schemas.microsoft.com/office/drawing/2014/main" id="{0B8B0E37-95DF-8189-1DF8-F7E5A865F847}"/>
+                  </a:ext>
+                </a:extLst>
+              </p:cNvPr>
+              <p:cNvSpPr txBox="1"/>
+              <p:nvPr/>
+            </p:nvSpPr>
+            <p:spPr>
+              <a:xfrm>
+                <a:off x="629745" y="2784748"/>
+                <a:ext cx="11745310" cy="3980577"/>
+              </a:xfrm>
+              <a:prstGeom prst="rect">
+                <a:avLst/>
+              </a:prstGeom>
+              <a:noFill/>
+              <a:ln w="12700" cap="flat">
+                <a:noFill/>
+                <a:miter lim="400000"/>
+              </a:ln>
+              <a:effectLst/>
+              <a:sp3d/>
+            </p:spPr>
+            <p:style>
+              <a:lnRef idx="0">
+                <a:scrgbClr r="0" g="0" b="0"/>
+              </a:lnRef>
+              <a:fillRef idx="0">
+                <a:scrgbClr r="0" g="0" b="0"/>
+              </a:fillRef>
+              <a:effectRef idx="0">
+                <a:scrgbClr r="0" g="0" b="0"/>
+              </a:effectRef>
+              <a:fontRef idx="none"/>
+            </p:style>
+            <p:txBody>
+              <a:bodyPr rot="0" spcFirstLastPara="1" vertOverflow="overflow" horzOverflow="overflow" vert="horz" wrap="square" lIns="50800" tIns="50800" rIns="50800" bIns="50800" numCol="1" spcCol="38100" rtlCol="0" anchor="ctr">
+                <a:spAutoFit/>
+              </a:bodyPr>
+              <a:lstStyle/>
+              <a:p>
+                <a:r>
+                  <a:rPr kumimoji="0" lang="en-US" sz="2800" i="0" u="none" strike="noStrike" cap="none" spc="0" normalizeH="0" baseline="0" dirty="0">
+                    <a:ln>
+                      <a:noFill/>
+                    </a:ln>
+                    <a:solidFill>
+                      <a:srgbClr val="000000"/>
+                    </a:solidFill>
+                    <a:effectLst/>
+                    <a:uFillTx/>
+                    <a:ea typeface="CMU Concrete Roman" panose="02000603000000000000" pitchFamily="2" charset="0"/>
+                    <a:sym typeface="Futura"/>
+                  </a:rPr>
+                  <a:t>The power of global bounds with simplicity of gradient analysis</a:t>
+                </a:r>
+              </a:p>
+              <a:p>
+                <a:endParaRPr lang="en-US" sz="2800" dirty="0">
+                  <a:ea typeface="CMU Concrete Roman" panose="02000603000000000000" pitchFamily="2" charset="0"/>
+                </a:endParaRPr>
+              </a:p>
+              <a:p>
+                <a:pPr marL="514350" indent="-514350">
+                  <a:buFont typeface="+mj-lt"/>
+                  <a:buAutoNum type="arabicPeriod"/>
+                </a:pPr>
+                <a:r>
+                  <a:rPr lang="en-US" sz="2800" dirty="0">
+                    <a:ea typeface="CMU Concrete Roman" panose="02000603000000000000" pitchFamily="2" charset="0"/>
+                  </a:rPr>
+                  <a:t>Simplicity beats complexity</a:t>
+                </a:r>
+              </a:p>
+              <a:p>
+                <a:pPr marL="923925" lvl="3" indent="-455613">
+                  <a:buFont typeface="Arial" panose="020B0604020202020204" pitchFamily="34" charset="0"/>
+                  <a:buChar char="•"/>
+                </a:pPr>
+                <a:r>
+                  <a:rPr lang="en-US" sz="2800" dirty="0" err="1">
+                    <a:ea typeface="CMU Concrete Roman" panose="02000603000000000000" pitchFamily="2" charset="0"/>
+                  </a:rPr>
+                  <a:t>DeepPoly</a:t>
+                </a:r>
+                <a:r>
+                  <a:rPr lang="en-US" sz="2800" dirty="0">
+                    <a:ea typeface="CMU Concrete Roman" panose="02000603000000000000" pitchFamily="2" charset="0"/>
+                  </a:rPr>
+                  <a:t> is strictly better than our method</a:t>
+                </a:r>
+              </a:p>
+              <a:p>
+                <a:pPr marL="923925" lvl="3" indent="-455613">
+                  <a:buFont typeface="Arial" panose="020B0604020202020204" pitchFamily="34" charset="0"/>
+                  <a:buChar char="•"/>
+                </a:pPr>
+                <a:r>
+                  <a:rPr lang="en-US" sz="2800" dirty="0">
+                    <a:ea typeface="CMU Concrete Roman" panose="02000603000000000000" pitchFamily="2" charset="0"/>
+                  </a:rPr>
+                  <a:t>However, s</a:t>
+                </a:r>
+                <a:r>
+                  <a:rPr lang="en-US" sz="2800" i="1" dirty="0">
+                    <a:ea typeface="CMU Concrete Roman" panose="02000603000000000000" pitchFamily="2" charset="0"/>
+                  </a:rPr>
+                  <a:t>urprise results found!</a:t>
+                </a:r>
+              </a:p>
+              <a:p>
+                <a:pPr marL="923925" lvl="3" indent="-455613">
+                  <a:buFont typeface="Arial" panose="020B0604020202020204" pitchFamily="34" charset="0"/>
+                  <a:buChar char="•"/>
+                </a:pPr>
+                <a:endParaRPr lang="en-US" sz="2800" i="1" dirty="0">
+                  <a:ea typeface="CMU Concrete Roman" panose="02000603000000000000" pitchFamily="2" charset="0"/>
+                </a:endParaRPr>
+              </a:p>
+              <a:p>
+                <a:pPr marL="514350" indent="-514350">
+                  <a:buFont typeface="+mj-lt"/>
+                  <a:buAutoNum type="arabicPeriod"/>
+                </a:pPr>
+                <a:r>
+                  <a:rPr lang="en-US" sz="2800" dirty="0">
+                    <a:ea typeface="CMU Concrete Roman" panose="02000603000000000000" pitchFamily="2" charset="0"/>
+                  </a:rPr>
+                  <a:t>Gradient Instability</a:t>
+                </a:r>
+              </a:p>
+              <a:p>
+                <a:pPr marL="973138" lvl="1" indent="-504825">
+                  <a:buFont typeface="Arial" panose="020B0604020202020204" pitchFamily="34" charset="0"/>
+                  <a:buChar char="•"/>
+                </a:pPr>
+                <a:r>
+                  <a:rPr lang="en-US" sz="2800" dirty="0">
+                    <a:ea typeface="CMU Concrete Roman" panose="02000603000000000000" pitchFamily="2" charset="0"/>
+                  </a:rPr>
+                  <a:t>Found </a:t>
+                </a:r>
+                <a14:m>
+                  <m:oMath xmlns:m="http://schemas.openxmlformats.org/officeDocument/2006/math">
+                    <m:r>
+                      <a:rPr lang="en-US" sz="2800" b="0" i="1" smtClean="0">
+                        <a:latin typeface="Cambria Math" panose="02040503050406030204" pitchFamily="18" charset="0"/>
+                        <a:ea typeface="CMU Concrete Roman" panose="02000603000000000000" pitchFamily="2" charset="0"/>
+                      </a:rPr>
+                      <m:t>100%</m:t>
+                    </m:r>
+                  </m:oMath>
+                </a14:m>
+                <a:r>
+                  <a:rPr lang="en-US" sz="2800" dirty="0">
+                    <a:ea typeface="CMU Concrete Roman" panose="02000603000000000000" pitchFamily="2" charset="0"/>
+                  </a:rPr>
+                  <a:t> correlation between instability and failure at high</a:t>
+                </a:r>
+                <a:r>
+                  <a:rPr lang="en-US" sz="2800" dirty="0">
+                    <a:ea typeface="Cambria Math" panose="02040503050406030204" pitchFamily="18" charset="0"/>
+                  </a:rPr>
+                  <a:t> </a:t>
+                </a:r>
+                <a14:m>
+                  <m:oMath xmlns:m="http://schemas.openxmlformats.org/officeDocument/2006/math">
+                    <m:r>
+                      <a:rPr lang="en-US" sz="2800" i="1">
+                        <a:latin typeface="Cambria Math" panose="02040503050406030204" pitchFamily="18" charset="0"/>
+                        <a:ea typeface="Cambria Math" panose="02040503050406030204" pitchFamily="18" charset="0"/>
+                      </a:rPr>
+                      <m:t>𝜖</m:t>
+                    </m:r>
+                  </m:oMath>
+                </a14:m>
+                <a:r>
+                  <a:rPr lang="en-US" sz="2800" dirty="0">
+                    <a:ea typeface="CMU Concrete Roman" panose="02000603000000000000" pitchFamily="2" charset="0"/>
+                  </a:rPr>
+                  <a:t> Our method detects when the local linearity assumption collapses.</a:t>
+                </a:r>
+              </a:p>
+            </p:txBody>
+          </p:sp>
+        </mc:Choice>
+        <mc:Fallback>
+          <p:sp>
+            <p:nvSpPr>
+              <p:cNvPr id="3" name="TextBox 2">
+                <a:extLst>
+                  <a:ext uri="{FF2B5EF4-FFF2-40B4-BE49-F238E27FC236}">
+                    <a16:creationId xmlns:a16="http://schemas.microsoft.com/office/drawing/2014/main" id="{0B8B0E37-95DF-8189-1DF8-F7E5A865F847}"/>
+                  </a:ext>
+                </a:extLst>
+              </p:cNvPr>
+              <p:cNvSpPr txBox="1">
+                <a:spLocks noRot="1" noChangeAspect="1" noMove="1" noResize="1" noEditPoints="1" noAdjustHandles="1" noChangeArrowheads="1" noChangeShapeType="1" noTextEdit="1"/>
+              </p:cNvSpPr>
+              <p:nvPr/>
+            </p:nvSpPr>
+            <p:spPr>
+              <a:xfrm>
+                <a:off x="629745" y="2784748"/>
+                <a:ext cx="11745310" cy="3980577"/>
+              </a:xfrm>
+              <a:prstGeom prst="rect">
+                <a:avLst/>
+              </a:prstGeom>
+              <a:blipFill>
+                <a:blip r:embed="rId2"/>
+                <a:stretch>
+                  <a:fillRect l="-1512" t="-955" r="-972" b="-3822"/>
+                </a:stretch>
+              </a:blipFill>
+              <a:ln w="12700" cap="flat">
+                <a:noFill/>
+                <a:miter lim="400000"/>
+              </a:ln>
+              <a:effectLst/>
+            </p:spPr>
+            <p:txBody>
+              <a:bodyPr/>
+              <a:lstStyle/>
+              <a:p>
+                <a:r>
+                  <a:rPr lang="en-US">
+                    <a:noFill/>
+                  </a:rPr>
+                  <a:t> </a:t>
+                </a:r>
+              </a:p>
+            </p:txBody>
+          </p:sp>
+        </mc:Fallback>
+      </mc:AlternateContent>
     </p:spTree>
     <p:extLst>
       <p:ext uri="{BB962C8B-B14F-4D97-AF65-F5344CB8AC3E}">
